--- a/ITI/TF/Volume1/media/Figure_4.3.2-1.pptx
+++ b/ITI/TF/Volume1/media/Figure_4.3.2-1.pptx
@@ -104,6 +104,11 @@
       </a:defRPr>
     </a:lvl9pPr>
   </p:defaultTextStyle>
+  <p:extLst>
+    <p:ext uri="{EFAFB233-063F-42B5-8137-9DF3F51BA10A}">
+      <p15:sldGuideLst xmlns:p15="http://schemas.microsoft.com/office/powerpoint/2012/main"/>
+    </p:ext>
+  </p:extLst>
 </p:presentation>
 </file>
 
@@ -254,7 +259,7 @@
           <a:p>
             <a:fld id="{B3785154-DF93-4043-AFA4-77B18E15A172}" type="datetimeFigureOut">
               <a:rPr lang="en-US" smtClean="0"/>
-              <a:t>8/10/20</a:t>
+              <a:t>8/26/20</a:t>
             </a:fld>
             <a:endParaRPr lang="en-US"/>
           </a:p>
@@ -452,7 +457,7 @@
           <a:p>
             <a:fld id="{B3785154-DF93-4043-AFA4-77B18E15A172}" type="datetimeFigureOut">
               <a:rPr lang="en-US" smtClean="0"/>
-              <a:t>8/10/20</a:t>
+              <a:t>8/26/20</a:t>
             </a:fld>
             <a:endParaRPr lang="en-US"/>
           </a:p>
@@ -660,7 +665,7 @@
           <a:p>
             <a:fld id="{B3785154-DF93-4043-AFA4-77B18E15A172}" type="datetimeFigureOut">
               <a:rPr lang="en-US" smtClean="0"/>
-              <a:t>8/10/20</a:t>
+              <a:t>8/26/20</a:t>
             </a:fld>
             <a:endParaRPr lang="en-US"/>
           </a:p>
@@ -858,7 +863,7 @@
           <a:p>
             <a:fld id="{B3785154-DF93-4043-AFA4-77B18E15A172}" type="datetimeFigureOut">
               <a:rPr lang="en-US" smtClean="0"/>
-              <a:t>8/10/20</a:t>
+              <a:t>8/26/20</a:t>
             </a:fld>
             <a:endParaRPr lang="en-US"/>
           </a:p>
@@ -1133,7 +1138,7 @@
           <a:p>
             <a:fld id="{B3785154-DF93-4043-AFA4-77B18E15A172}" type="datetimeFigureOut">
               <a:rPr lang="en-US" smtClean="0"/>
-              <a:t>8/10/20</a:t>
+              <a:t>8/26/20</a:t>
             </a:fld>
             <a:endParaRPr lang="en-US"/>
           </a:p>
@@ -1398,7 +1403,7 @@
           <a:p>
             <a:fld id="{B3785154-DF93-4043-AFA4-77B18E15A172}" type="datetimeFigureOut">
               <a:rPr lang="en-US" smtClean="0"/>
-              <a:t>8/10/20</a:t>
+              <a:t>8/26/20</a:t>
             </a:fld>
             <a:endParaRPr lang="en-US"/>
           </a:p>
@@ -1810,7 +1815,7 @@
           <a:p>
             <a:fld id="{B3785154-DF93-4043-AFA4-77B18E15A172}" type="datetimeFigureOut">
               <a:rPr lang="en-US" smtClean="0"/>
-              <a:t>8/10/20</a:t>
+              <a:t>8/26/20</a:t>
             </a:fld>
             <a:endParaRPr lang="en-US"/>
           </a:p>
@@ -1951,7 +1956,7 @@
           <a:p>
             <a:fld id="{B3785154-DF93-4043-AFA4-77B18E15A172}" type="datetimeFigureOut">
               <a:rPr lang="en-US" smtClean="0"/>
-              <a:t>8/10/20</a:t>
+              <a:t>8/26/20</a:t>
             </a:fld>
             <a:endParaRPr lang="en-US"/>
           </a:p>
@@ -2064,7 +2069,7 @@
           <a:p>
             <a:fld id="{B3785154-DF93-4043-AFA4-77B18E15A172}" type="datetimeFigureOut">
               <a:rPr lang="en-US" smtClean="0"/>
-              <a:t>8/10/20</a:t>
+              <a:t>8/26/20</a:t>
             </a:fld>
             <a:endParaRPr lang="en-US"/>
           </a:p>
@@ -2375,7 +2380,7 @@
           <a:p>
             <a:fld id="{B3785154-DF93-4043-AFA4-77B18E15A172}" type="datetimeFigureOut">
               <a:rPr lang="en-US" smtClean="0"/>
-              <a:t>8/10/20</a:t>
+              <a:t>8/26/20</a:t>
             </a:fld>
             <a:endParaRPr lang="en-US"/>
           </a:p>
@@ -2663,7 +2668,7 @@
           <a:p>
             <a:fld id="{B3785154-DF93-4043-AFA4-77B18E15A172}" type="datetimeFigureOut">
               <a:rPr lang="en-US" smtClean="0"/>
-              <a:t>8/10/20</a:t>
+              <a:t>8/26/20</a:t>
             </a:fld>
             <a:endParaRPr lang="en-US"/>
           </a:p>
@@ -2904,7 +2909,7 @@
           <a:p>
             <a:fld id="{B3785154-DF93-4043-AFA4-77B18E15A172}" type="datetimeFigureOut">
               <a:rPr lang="en-US" smtClean="0"/>
-              <a:t>8/10/20</a:t>
+              <a:t>8/26/20</a:t>
             </a:fld>
             <a:endParaRPr lang="en-US"/>
           </a:p>
@@ -3369,7 +3374,10 @@
           </a:bodyPr>
           <a:lstStyle/>
           <a:p>
-            <a:endParaRPr lang="en-US"/>
+            <a:endParaRPr lang="en-US">
+              <a:latin typeface="Times New Roman" panose="02020603050405020304" pitchFamily="18" charset="0"/>
+              <a:cs typeface="Times New Roman" panose="02020603050405020304" pitchFamily="18" charset="0"/>
+            </a:endParaRPr>
           </a:p>
         </p:txBody>
       </p:sp>
@@ -3513,7 +3521,10 @@
           </a:bodyPr>
           <a:lstStyle/>
           <a:p>
-            <a:endParaRPr lang="en-US"/>
+            <a:endParaRPr lang="en-US">
+              <a:latin typeface="Times New Roman" panose="02020603050405020304" pitchFamily="18" charset="0"/>
+              <a:cs typeface="Times New Roman" panose="02020603050405020304" pitchFamily="18" charset="0"/>
+            </a:endParaRPr>
           </a:p>
         </p:txBody>
       </p:sp>
@@ -3583,7 +3594,7 @@
               <a:tabLst/>
             </a:pPr>
             <a:r>
-              <a:rPr kumimoji="0" lang="en-US" altLang="en-US" sz="1000" b="0" i="0" u="none" strike="noStrike" cap="none" normalizeH="0" baseline="0">
+              <a:rPr kumimoji="0" lang="en-US" altLang="en-US" sz="1000" b="0" i="0" u="none" strike="noStrike" cap="none" normalizeH="0" baseline="0" dirty="0">
                 <a:ln>
                   <a:noFill/>
                 </a:ln>
@@ -3596,7 +3607,7 @@
               </a:rPr>
               <a:t>Kerberos Authentication Server</a:t>
             </a:r>
-            <a:endParaRPr kumimoji="0" lang="en-US" altLang="en-US" sz="1800" b="0" i="0" u="none" strike="noStrike" cap="none" normalizeH="0" baseline="0">
+            <a:endParaRPr kumimoji="0" lang="en-US" altLang="en-US" sz="1800" b="0" i="0" u="none" strike="noStrike" cap="none" normalizeH="0" baseline="0" dirty="0">
               <a:ln>
                 <a:noFill/>
               </a:ln>
@@ -3657,7 +3668,10 @@
           </a:bodyPr>
           <a:lstStyle/>
           <a:p>
-            <a:endParaRPr lang="en-US"/>
+            <a:endParaRPr lang="en-US">
+              <a:latin typeface="Times New Roman" panose="02020603050405020304" pitchFamily="18" charset="0"/>
+              <a:cs typeface="Times New Roman" panose="02020603050405020304" pitchFamily="18" charset="0"/>
+            </a:endParaRPr>
           </a:p>
         </p:txBody>
       </p:sp>
@@ -3703,7 +3717,10 @@
           </a:bodyPr>
           <a:lstStyle/>
           <a:p>
-            <a:endParaRPr lang="en-US"/>
+            <a:endParaRPr lang="en-US">
+              <a:latin typeface="Times New Roman" panose="02020603050405020304" pitchFamily="18" charset="0"/>
+              <a:cs typeface="Times New Roman" panose="02020603050405020304" pitchFamily="18" charset="0"/>
+            </a:endParaRPr>
           </a:p>
         </p:txBody>
       </p:sp>
@@ -3781,8 +3798,9 @@
                   <a:schemeClr val="tx1"/>
                 </a:solidFill>
                 <a:effectLst/>
-                <a:latin typeface="Arial" panose="020B0604020202020204" pitchFamily="34" charset="0"/>
+                <a:latin typeface="Times New Roman" panose="02020603050405020304" pitchFamily="18" charset="0"/>
                 <a:ea typeface="Times New Roman" panose="02020603050405020304" pitchFamily="18" charset="0"/>
+                <a:cs typeface="Times New Roman" panose="02020603050405020304" pitchFamily="18" charset="0"/>
               </a:rPr>
               <a:t>Get User Authentication [ITI-2]</a:t>
             </a:r>
@@ -3794,7 +3812,8 @@
                 <a:schemeClr val="tx1"/>
               </a:solidFill>
               <a:effectLst/>
-              <a:latin typeface="Arial" panose="020B0604020202020204" pitchFamily="34" charset="0"/>
+              <a:latin typeface="Times New Roman" panose="02020603050405020304" pitchFamily="18" charset="0"/>
+              <a:cs typeface="Times New Roman" panose="02020603050405020304" pitchFamily="18" charset="0"/>
             </a:endParaRPr>
           </a:p>
         </p:txBody>
@@ -3846,7 +3865,10 @@
           </a:bodyPr>
           <a:lstStyle/>
           <a:p>
-            <a:endParaRPr lang="en-US"/>
+            <a:endParaRPr lang="en-US">
+              <a:latin typeface="Times New Roman" panose="02020603050405020304" pitchFamily="18" charset="0"/>
+              <a:cs typeface="Times New Roman" panose="02020603050405020304" pitchFamily="18" charset="0"/>
+            </a:endParaRPr>
           </a:p>
         </p:txBody>
       </p:sp>
@@ -3892,7 +3914,10 @@
           </a:bodyPr>
           <a:lstStyle/>
           <a:p>
-            <a:endParaRPr lang="en-US"/>
+            <a:endParaRPr lang="en-US">
+              <a:latin typeface="Times New Roman" panose="02020603050405020304" pitchFamily="18" charset="0"/>
+              <a:cs typeface="Times New Roman" panose="02020603050405020304" pitchFamily="18" charset="0"/>
+            </a:endParaRPr>
           </a:p>
         </p:txBody>
       </p:sp>
@@ -4004,7 +4029,7 @@
         </p:nvSpPr>
         <p:spPr bwMode="auto">
           <a:xfrm>
-            <a:off x="3343275" y="1346200"/>
+            <a:off x="3432483" y="1346200"/>
             <a:ext cx="820738" cy="608013"/>
           </a:xfrm>
           <a:prstGeom prst="rect">
@@ -4062,8 +4087,9 @@
                   <a:schemeClr val="tx1"/>
                 </a:solidFill>
                 <a:effectLst/>
-                <a:latin typeface="Arial" panose="020B0604020202020204" pitchFamily="34" charset="0"/>
+                <a:latin typeface="Times New Roman" panose="02020603050405020304" pitchFamily="18" charset="0"/>
                 <a:ea typeface="Times New Roman" panose="02020603050405020304" pitchFamily="18" charset="0"/>
+                <a:cs typeface="Times New Roman" panose="02020603050405020304" pitchFamily="18" charset="0"/>
               </a:rPr>
               <a:t> Internal</a:t>
             </a:r>
@@ -4075,7 +4101,8 @@
                 <a:schemeClr val="tx1"/>
               </a:solidFill>
               <a:effectLst/>
-              <a:latin typeface="Arial" panose="020B0604020202020204" pitchFamily="34" charset="0"/>
+              <a:latin typeface="Times New Roman" panose="02020603050405020304" pitchFamily="18" charset="0"/>
+              <a:cs typeface="Times New Roman" panose="02020603050405020304" pitchFamily="18" charset="0"/>
             </a:endParaRPr>
           </a:p>
           <a:p>
@@ -4104,8 +4131,9 @@
                   <a:schemeClr val="tx1"/>
                 </a:solidFill>
                 <a:effectLst/>
-                <a:latin typeface="Arial" panose="020B0604020202020204" pitchFamily="34" charset="0"/>
+                <a:latin typeface="Times New Roman" panose="02020603050405020304" pitchFamily="18" charset="0"/>
                 <a:ea typeface="Times New Roman" panose="02020603050405020304" pitchFamily="18" charset="0"/>
+                <a:cs typeface="Times New Roman" panose="02020603050405020304" pitchFamily="18" charset="0"/>
               </a:rPr>
               <a:t>User</a:t>
             </a:r>
@@ -4117,7 +4145,8 @@
                 <a:schemeClr val="tx1"/>
               </a:solidFill>
               <a:effectLst/>
-              <a:latin typeface="Arial" panose="020B0604020202020204" pitchFamily="34" charset="0"/>
+              <a:latin typeface="Times New Roman" panose="02020603050405020304" pitchFamily="18" charset="0"/>
+              <a:cs typeface="Times New Roman" panose="02020603050405020304" pitchFamily="18" charset="0"/>
             </a:endParaRPr>
           </a:p>
           <a:p>
@@ -4146,8 +4175,9 @@
                   <a:schemeClr val="tx1"/>
                 </a:solidFill>
                 <a:effectLst/>
-                <a:latin typeface="Arial" panose="020B0604020202020204" pitchFamily="34" charset="0"/>
+                <a:latin typeface="Times New Roman" panose="02020603050405020304" pitchFamily="18" charset="0"/>
                 <a:ea typeface="Times New Roman" panose="02020603050405020304" pitchFamily="18" charset="0"/>
+                <a:cs typeface="Times New Roman" panose="02020603050405020304" pitchFamily="18" charset="0"/>
               </a:rPr>
               <a:t>Authentication </a:t>
             </a:r>
@@ -4159,7 +4189,8 @@
                 <a:schemeClr val="tx1"/>
               </a:solidFill>
               <a:effectLst/>
-              <a:latin typeface="Arial" panose="020B0604020202020204" pitchFamily="34" charset="0"/>
+              <a:latin typeface="Times New Roman" panose="02020603050405020304" pitchFamily="18" charset="0"/>
+              <a:cs typeface="Times New Roman" panose="02020603050405020304" pitchFamily="18" charset="0"/>
             </a:endParaRPr>
           </a:p>
         </p:txBody>
@@ -4243,8 +4274,9 @@
                   <a:schemeClr val="tx1"/>
                 </a:solidFill>
                 <a:effectLst/>
-                <a:latin typeface="Arial" panose="020B0604020202020204" pitchFamily="34" charset="0"/>
+                <a:latin typeface="Times New Roman" panose="02020603050405020304" pitchFamily="18" charset="0"/>
                 <a:ea typeface="Times New Roman" panose="02020603050405020304" pitchFamily="18" charset="0"/>
+                <a:cs typeface="Times New Roman" panose="02020603050405020304" pitchFamily="18" charset="0"/>
               </a:rPr>
               <a:t>Change Context [ITI-6]</a:t>
             </a:r>
@@ -4256,7 +4288,8 @@
                 <a:schemeClr val="tx1"/>
               </a:solidFill>
               <a:effectLst/>
-              <a:latin typeface="Arial" panose="020B0604020202020204" pitchFamily="34" charset="0"/>
+              <a:latin typeface="Times New Roman" panose="02020603050405020304" pitchFamily="18" charset="0"/>
+              <a:cs typeface="Times New Roman" panose="02020603050405020304" pitchFamily="18" charset="0"/>
             </a:endParaRPr>
           </a:p>
         </p:txBody>
@@ -4309,7 +4342,10 @@
           </a:bodyPr>
           <a:lstStyle/>
           <a:p>
-            <a:endParaRPr lang="en-US"/>
+            <a:endParaRPr lang="en-US">
+              <a:latin typeface="Times New Roman" panose="02020603050405020304" pitchFamily="18" charset="0"/>
+              <a:cs typeface="Times New Roman" panose="02020603050405020304" pitchFamily="18" charset="0"/>
+            </a:endParaRPr>
           </a:p>
         </p:txBody>
       </p:sp>
@@ -4387,8 +4423,9 @@
                   <a:schemeClr val="tx1"/>
                 </a:solidFill>
                 <a:effectLst/>
-                <a:latin typeface="Arial" panose="020B0604020202020204" pitchFamily="34" charset="0"/>
+                <a:latin typeface="Times New Roman" panose="02020603050405020304" pitchFamily="18" charset="0"/>
                 <a:ea typeface="Times New Roman" panose="02020603050405020304" pitchFamily="18" charset="0"/>
+                <a:cs typeface="Times New Roman" panose="02020603050405020304" pitchFamily="18" charset="0"/>
               </a:rPr>
               <a:t>Internal TGT Management</a:t>
             </a:r>
@@ -4400,7 +4437,8 @@
                 <a:schemeClr val="tx1"/>
               </a:solidFill>
               <a:effectLst/>
-              <a:latin typeface="Arial" panose="020B0604020202020204" pitchFamily="34" charset="0"/>
+              <a:latin typeface="Times New Roman" panose="02020603050405020304" pitchFamily="18" charset="0"/>
+              <a:cs typeface="Times New Roman" panose="02020603050405020304" pitchFamily="18" charset="0"/>
             </a:endParaRPr>
           </a:p>
         </p:txBody>
@@ -4453,7 +4491,10 @@
           </a:bodyPr>
           <a:lstStyle/>
           <a:p>
-            <a:endParaRPr lang="en-US"/>
+            <a:endParaRPr lang="en-US">
+              <a:latin typeface="Times New Roman" panose="02020603050405020304" pitchFamily="18" charset="0"/>
+              <a:cs typeface="Times New Roman" panose="02020603050405020304" pitchFamily="18" charset="0"/>
+            </a:endParaRPr>
           </a:p>
         </p:txBody>
       </p:sp>
@@ -4523,7 +4564,7 @@
               <a:tabLst/>
             </a:pPr>
             <a:r>
-              <a:rPr kumimoji="0" lang="en-US" altLang="en-US" sz="1000" b="0" i="1" u="none" strike="noStrike" cap="none" normalizeH="0" baseline="0">
+              <a:rPr kumimoji="0" lang="en-US" altLang="en-US" sz="1000" b="0" i="1" u="none" strike="noStrike" cap="none" normalizeH="0" baseline="0" dirty="0">
                 <a:ln>
                   <a:noFill/>
                 </a:ln>
@@ -4531,12 +4572,13 @@
                   <a:schemeClr val="tx1"/>
                 </a:solidFill>
                 <a:effectLst/>
-                <a:latin typeface="Arial" panose="020B0604020202020204" pitchFamily="34" charset="0"/>
+                <a:latin typeface="Times New Roman" panose="02020603050405020304" pitchFamily="18" charset="0"/>
                 <a:ea typeface="Times New Roman" panose="02020603050405020304" pitchFamily="18" charset="0"/>
+                <a:cs typeface="Times New Roman" panose="02020603050405020304" pitchFamily="18" charset="0"/>
               </a:rPr>
               <a:t>Login or Session Start</a:t>
             </a:r>
-            <a:endParaRPr kumimoji="0" lang="en-US" altLang="en-US" sz="1800" b="0" i="0" u="none" strike="noStrike" cap="none" normalizeH="0" baseline="0">
+            <a:endParaRPr kumimoji="0" lang="en-US" altLang="en-US" sz="1800" b="0" i="0" u="none" strike="noStrike" cap="none" normalizeH="0" baseline="0" dirty="0">
               <a:ln>
                 <a:noFill/>
               </a:ln>
@@ -4544,7 +4586,8 @@
                 <a:schemeClr val="tx1"/>
               </a:solidFill>
               <a:effectLst/>
-              <a:latin typeface="Arial" panose="020B0604020202020204" pitchFamily="34" charset="0"/>
+              <a:latin typeface="Times New Roman" panose="02020603050405020304" pitchFamily="18" charset="0"/>
+              <a:cs typeface="Times New Roman" panose="02020603050405020304" pitchFamily="18" charset="0"/>
             </a:endParaRPr>
           </a:p>
         </p:txBody>
@@ -4596,7 +4639,10 @@
           </a:bodyPr>
           <a:lstStyle/>
           <a:p>
-            <a:endParaRPr lang="en-US"/>
+            <a:endParaRPr lang="en-US">
+              <a:latin typeface="Times New Roman" panose="02020603050405020304" pitchFamily="18" charset="0"/>
+              <a:cs typeface="Times New Roman" panose="02020603050405020304" pitchFamily="18" charset="0"/>
+            </a:endParaRPr>
           </a:p>
         </p:txBody>
       </p:sp>
@@ -4642,7 +4688,10 @@
           </a:bodyPr>
           <a:lstStyle/>
           <a:p>
-            <a:endParaRPr lang="en-US"/>
+            <a:endParaRPr lang="en-US">
+              <a:latin typeface="Times New Roman" panose="02020603050405020304" pitchFamily="18" charset="0"/>
+              <a:cs typeface="Times New Roman" panose="02020603050405020304" pitchFamily="18" charset="0"/>
+            </a:endParaRPr>
           </a:p>
         </p:txBody>
       </p:sp>
@@ -4720,8 +4769,9 @@
                   <a:schemeClr val="tx1"/>
                 </a:solidFill>
                 <a:effectLst/>
-                <a:latin typeface="Arial" panose="020B0604020202020204" pitchFamily="34" charset="0"/>
+                <a:latin typeface="Times New Roman" panose="02020603050405020304" pitchFamily="18" charset="0"/>
                 <a:ea typeface="Times New Roman" panose="02020603050405020304" pitchFamily="18" charset="0"/>
+                <a:cs typeface="Times New Roman" panose="02020603050405020304" pitchFamily="18" charset="0"/>
               </a:rPr>
               <a:t>Logout or Session End</a:t>
             </a:r>
@@ -4733,7 +4783,8 @@
                 <a:schemeClr val="tx1"/>
               </a:solidFill>
               <a:effectLst/>
-              <a:latin typeface="Arial" panose="020B0604020202020204" pitchFamily="34" charset="0"/>
+              <a:latin typeface="Times New Roman" panose="02020603050405020304" pitchFamily="18" charset="0"/>
+              <a:cs typeface="Times New Roman" panose="02020603050405020304" pitchFamily="18" charset="0"/>
             </a:endParaRPr>
           </a:p>
         </p:txBody>
@@ -4786,7 +4837,10 @@
           </a:bodyPr>
           <a:lstStyle/>
           <a:p>
-            <a:endParaRPr lang="en-US"/>
+            <a:endParaRPr lang="en-US">
+              <a:latin typeface="Times New Roman" panose="02020603050405020304" pitchFamily="18" charset="0"/>
+              <a:cs typeface="Times New Roman" panose="02020603050405020304" pitchFamily="18" charset="0"/>
+            </a:endParaRPr>
           </a:p>
         </p:txBody>
       </p:sp>
@@ -4832,7 +4886,10 @@
           </a:bodyPr>
           <a:lstStyle/>
           <a:p>
-            <a:endParaRPr lang="en-US"/>
+            <a:endParaRPr lang="en-US">
+              <a:latin typeface="Times New Roman" panose="02020603050405020304" pitchFamily="18" charset="0"/>
+              <a:cs typeface="Times New Roman" panose="02020603050405020304" pitchFamily="18" charset="0"/>
+            </a:endParaRPr>
           </a:p>
         </p:txBody>
       </p:sp>
@@ -4852,7 +4909,7 @@
         </p:nvSpPr>
         <p:spPr bwMode="auto">
           <a:xfrm>
-            <a:off x="714375" y="3379788"/>
+            <a:off x="457898" y="3379788"/>
             <a:ext cx="989013" cy="304800"/>
           </a:xfrm>
           <a:prstGeom prst="rect">
@@ -4917,8 +4974,9 @@
                   <a:schemeClr val="tx1"/>
                 </a:solidFill>
                 <a:effectLst/>
-                <a:latin typeface="Arial" panose="020B0604020202020204" pitchFamily="34" charset="0"/>
+                <a:latin typeface="Times New Roman" panose="02020603050405020304" pitchFamily="18" charset="0"/>
                 <a:ea typeface="Times New Roman" panose="02020603050405020304" pitchFamily="18" charset="0"/>
+                <a:cs typeface="Times New Roman" panose="02020603050405020304" pitchFamily="18" charset="0"/>
               </a:rPr>
               <a:t>Internal TGT destruction</a:t>
             </a:r>
@@ -4930,7 +4988,8 @@
                 <a:schemeClr val="tx1"/>
               </a:solidFill>
               <a:effectLst/>
-              <a:latin typeface="Arial" panose="020B0604020202020204" pitchFamily="34" charset="0"/>
+              <a:latin typeface="Times New Roman" panose="02020603050405020304" pitchFamily="18" charset="0"/>
+              <a:cs typeface="Times New Roman" panose="02020603050405020304" pitchFamily="18" charset="0"/>
             </a:endParaRPr>
           </a:p>
         </p:txBody>
@@ -4982,7 +5041,10 @@
           </a:bodyPr>
           <a:lstStyle/>
           <a:p>
-            <a:endParaRPr lang="en-US"/>
+            <a:endParaRPr lang="en-US">
+              <a:latin typeface="Times New Roman" panose="02020603050405020304" pitchFamily="18" charset="0"/>
+              <a:cs typeface="Times New Roman" panose="02020603050405020304" pitchFamily="18" charset="0"/>
+            </a:endParaRPr>
           </a:p>
         </p:txBody>
       </p:sp>
@@ -5065,8 +5127,9 @@
                   <a:schemeClr val="tx1"/>
                 </a:solidFill>
                 <a:effectLst/>
-                <a:latin typeface="Arial" panose="020B0604020202020204" pitchFamily="34" charset="0"/>
+                <a:latin typeface="Times New Roman" panose="02020603050405020304" pitchFamily="18" charset="0"/>
                 <a:ea typeface="Times New Roman" panose="02020603050405020304" pitchFamily="18" charset="0"/>
+                <a:cs typeface="Times New Roman" panose="02020603050405020304" pitchFamily="18" charset="0"/>
               </a:rPr>
               <a:t>Change Context [ITI-6] (NULL)</a:t>
             </a:r>
@@ -5078,7 +5141,8 @@
                 <a:schemeClr val="tx1"/>
               </a:solidFill>
               <a:effectLst/>
-              <a:latin typeface="Arial" panose="020B0604020202020204" pitchFamily="34" charset="0"/>
+              <a:latin typeface="Times New Roman" panose="02020603050405020304" pitchFamily="18" charset="0"/>
+              <a:cs typeface="Times New Roman" panose="02020603050405020304" pitchFamily="18" charset="0"/>
             </a:endParaRPr>
           </a:p>
         </p:txBody>
@@ -5125,7 +5189,10 @@
           </a:bodyPr>
           <a:lstStyle/>
           <a:p>
-            <a:endParaRPr lang="en-US"/>
+            <a:endParaRPr lang="en-US">
+              <a:latin typeface="Times New Roman" panose="02020603050405020304" pitchFamily="18" charset="0"/>
+              <a:cs typeface="Times New Roman" panose="02020603050405020304" pitchFamily="18" charset="0"/>
+            </a:endParaRPr>
           </a:p>
         </p:txBody>
       </p:sp>
@@ -5145,7 +5212,7 @@
         </p:nvSpPr>
         <p:spPr bwMode="auto">
           <a:xfrm>
-            <a:off x="1784350" y="1004888"/>
+            <a:off x="1784350" y="1049492"/>
             <a:ext cx="3562350" cy="0"/>
           </a:xfrm>
           <a:prstGeom prst="line">
@@ -5176,7 +5243,10 @@
           </a:bodyPr>
           <a:lstStyle/>
           <a:p>
-            <a:endParaRPr lang="en-US"/>
+            <a:endParaRPr lang="en-US">
+              <a:latin typeface="Times New Roman" panose="02020603050405020304" pitchFamily="18" charset="0"/>
+              <a:cs typeface="Times New Roman" panose="02020603050405020304" pitchFamily="18" charset="0"/>
+            </a:endParaRPr>
           </a:p>
         </p:txBody>
       </p:sp>
@@ -5196,8 +5266,8 @@
         </p:nvSpPr>
         <p:spPr bwMode="auto">
           <a:xfrm>
-            <a:off x="1784350" y="806450"/>
-            <a:ext cx="1068388" cy="238125"/>
+            <a:off x="1784349" y="851054"/>
+            <a:ext cx="1523991" cy="263512"/>
           </a:xfrm>
           <a:prstGeom prst="rect">
             <a:avLst/>
@@ -5251,7 +5321,7 @@
               <a:tabLst/>
             </a:pPr>
             <a:r>
-              <a:rPr kumimoji="0" lang="en-US" altLang="en-US" sz="1000" b="0" i="0" u="none" strike="noStrike" cap="none" normalizeH="0" baseline="0">
+              <a:rPr kumimoji="0" lang="en-US" altLang="en-US" sz="1000" b="0" i="0" u="none" strike="noStrike" cap="none" normalizeH="0" baseline="0" dirty="0">
                 <a:ln>
                   <a:noFill/>
                 </a:ln>
@@ -5259,12 +5329,13 @@
                   <a:schemeClr val="tx1"/>
                 </a:solidFill>
                 <a:effectLst/>
-                <a:latin typeface="Arial" panose="020B0604020202020204" pitchFamily="34" charset="0"/>
+                <a:latin typeface="Times New Roman" panose="02020603050405020304" pitchFamily="18" charset="0"/>
                 <a:ea typeface="Times New Roman" panose="02020603050405020304" pitchFamily="18" charset="0"/>
+                <a:cs typeface="Times New Roman" panose="02020603050405020304" pitchFamily="18" charset="0"/>
               </a:rPr>
               <a:t>Join Context [ITI-5]</a:t>
             </a:r>
-            <a:endParaRPr kumimoji="0" lang="en-US" altLang="en-US" sz="1800" b="0" i="0" u="none" strike="noStrike" cap="none" normalizeH="0" baseline="0">
+            <a:endParaRPr kumimoji="0" lang="en-US" altLang="en-US" sz="1800" b="0" i="0" u="none" strike="noStrike" cap="none" normalizeH="0" baseline="0" dirty="0">
               <a:ln>
                 <a:noFill/>
               </a:ln>
@@ -5272,7 +5343,8 @@
                 <a:schemeClr val="tx1"/>
               </a:solidFill>
               <a:effectLst/>
-              <a:latin typeface="Arial" panose="020B0604020202020204" pitchFamily="34" charset="0"/>
+              <a:latin typeface="Times New Roman" panose="02020603050405020304" pitchFamily="18" charset="0"/>
+              <a:cs typeface="Times New Roman" panose="02020603050405020304" pitchFamily="18" charset="0"/>
             </a:endParaRPr>
           </a:p>
         </p:txBody>
@@ -5324,7 +5396,10 @@
           </a:bodyPr>
           <a:lstStyle/>
           <a:p>
-            <a:endParaRPr lang="en-US"/>
+            <a:endParaRPr lang="en-US">
+              <a:latin typeface="Times New Roman" panose="02020603050405020304" pitchFamily="18" charset="0"/>
+              <a:cs typeface="Times New Roman" panose="02020603050405020304" pitchFamily="18" charset="0"/>
+            </a:endParaRPr>
           </a:p>
         </p:txBody>
       </p:sp>
@@ -5407,8 +5482,9 @@
                   <a:schemeClr val="tx1"/>
                 </a:solidFill>
                 <a:effectLst/>
-                <a:latin typeface="Arial" panose="020B0604020202020204" pitchFamily="34" charset="0"/>
+                <a:latin typeface="Times New Roman" panose="02020603050405020304" pitchFamily="18" charset="0"/>
                 <a:ea typeface="Times New Roman" panose="02020603050405020304" pitchFamily="18" charset="0"/>
+                <a:cs typeface="Times New Roman" panose="02020603050405020304" pitchFamily="18" charset="0"/>
               </a:rPr>
               <a:t>Join Context [ITI-5]</a:t>
             </a:r>
@@ -5420,7 +5496,8 @@
                 <a:schemeClr val="tx1"/>
               </a:solidFill>
               <a:effectLst/>
-              <a:latin typeface="Arial" panose="020B0604020202020204" pitchFamily="34" charset="0"/>
+              <a:latin typeface="Times New Roman" panose="02020603050405020304" pitchFamily="18" charset="0"/>
+              <a:cs typeface="Times New Roman" panose="02020603050405020304" pitchFamily="18" charset="0"/>
             </a:endParaRPr>
           </a:p>
         </p:txBody>
@@ -5467,7 +5544,10 @@
           </a:bodyPr>
           <a:lstStyle/>
           <a:p>
-            <a:endParaRPr lang="en-US"/>
+            <a:endParaRPr lang="en-US">
+              <a:latin typeface="Times New Roman" panose="02020603050405020304" pitchFamily="18" charset="0"/>
+              <a:cs typeface="Times New Roman" panose="02020603050405020304" pitchFamily="18" charset="0"/>
+            </a:endParaRPr>
           </a:p>
         </p:txBody>
       </p:sp>
@@ -5513,7 +5593,10 @@
           </a:bodyPr>
           <a:lstStyle/>
           <a:p>
-            <a:endParaRPr lang="en-US"/>
+            <a:endParaRPr lang="en-US">
+              <a:latin typeface="Times New Roman" panose="02020603050405020304" pitchFamily="18" charset="0"/>
+              <a:cs typeface="Times New Roman" panose="02020603050405020304" pitchFamily="18" charset="0"/>
+            </a:endParaRPr>
           </a:p>
         </p:txBody>
       </p:sp>
@@ -5564,7 +5647,10 @@
           </a:bodyPr>
           <a:lstStyle/>
           <a:p>
-            <a:endParaRPr lang="en-US"/>
+            <a:endParaRPr lang="en-US">
+              <a:latin typeface="Times New Roman" panose="02020603050405020304" pitchFamily="18" charset="0"/>
+              <a:cs typeface="Times New Roman" panose="02020603050405020304" pitchFamily="18" charset="0"/>
+            </a:endParaRPr>
           </a:p>
         </p:txBody>
       </p:sp>
@@ -5584,7 +5670,7 @@
         </p:nvSpPr>
         <p:spPr bwMode="auto">
           <a:xfrm>
-            <a:off x="4514850" y="2430463"/>
+            <a:off x="4470246" y="2430463"/>
             <a:ext cx="1068388" cy="474662"/>
           </a:xfrm>
           <a:prstGeom prst="rect">
@@ -5647,8 +5733,9 @@
                   <a:schemeClr val="tx1"/>
                 </a:solidFill>
                 <a:effectLst/>
-                <a:latin typeface="Arial" panose="020B0604020202020204" pitchFamily="34" charset="0"/>
+                <a:latin typeface="Times New Roman" panose="02020603050405020304" pitchFamily="18" charset="0"/>
                 <a:ea typeface="Times New Roman" panose="02020603050405020304" pitchFamily="18" charset="0"/>
+                <a:cs typeface="Times New Roman" panose="02020603050405020304" pitchFamily="18" charset="0"/>
               </a:rPr>
               <a:t>Follow Context [ITI-13]</a:t>
             </a:r>
@@ -5660,7 +5747,8 @@
                 <a:schemeClr val="tx1"/>
               </a:solidFill>
               <a:effectLst/>
-              <a:latin typeface="Arial" panose="020B0604020202020204" pitchFamily="34" charset="0"/>
+              <a:latin typeface="Times New Roman" panose="02020603050405020304" pitchFamily="18" charset="0"/>
+              <a:cs typeface="Times New Roman" panose="02020603050405020304" pitchFamily="18" charset="0"/>
             </a:endParaRPr>
           </a:p>
         </p:txBody>
@@ -5707,7 +5795,10 @@
           </a:bodyPr>
           <a:lstStyle/>
           <a:p>
-            <a:endParaRPr lang="en-US"/>
+            <a:endParaRPr lang="en-US">
+              <a:latin typeface="Times New Roman" panose="02020603050405020304" pitchFamily="18" charset="0"/>
+              <a:cs typeface="Times New Roman" panose="02020603050405020304" pitchFamily="18" charset="0"/>
+            </a:endParaRPr>
           </a:p>
         </p:txBody>
       </p:sp>
@@ -5758,7 +5849,10 @@
           </a:bodyPr>
           <a:lstStyle/>
           <a:p>
-            <a:endParaRPr lang="en-US"/>
+            <a:endParaRPr lang="en-US">
+              <a:latin typeface="Times New Roman" panose="02020603050405020304" pitchFamily="18" charset="0"/>
+              <a:cs typeface="Times New Roman" panose="02020603050405020304" pitchFamily="18" charset="0"/>
+            </a:endParaRPr>
           </a:p>
         </p:txBody>
       </p:sp>
@@ -5778,7 +5872,7 @@
         </p:nvSpPr>
         <p:spPr bwMode="auto">
           <a:xfrm>
-            <a:off x="4514850" y="3498850"/>
+            <a:off x="4470246" y="3498850"/>
             <a:ext cx="1068388" cy="474663"/>
           </a:xfrm>
           <a:prstGeom prst="rect">
@@ -5833,7 +5927,7 @@
               <a:tabLst/>
             </a:pPr>
             <a:r>
-              <a:rPr kumimoji="0" lang="en-US" altLang="en-US" sz="1000" b="0" i="0" u="none" strike="noStrike" cap="none" normalizeH="0" baseline="0">
+              <a:rPr kumimoji="0" lang="en-US" altLang="en-US" sz="1000" b="0" i="0" u="none" strike="noStrike" cap="none" normalizeH="0" baseline="0" dirty="0">
                 <a:ln>
                   <a:noFill/>
                 </a:ln>
@@ -5841,12 +5935,13 @@
                   <a:schemeClr val="tx1"/>
                 </a:solidFill>
                 <a:effectLst/>
-                <a:latin typeface="Arial" panose="020B0604020202020204" pitchFamily="34" charset="0"/>
+                <a:latin typeface="Times New Roman" panose="02020603050405020304" pitchFamily="18" charset="0"/>
                 <a:ea typeface="Times New Roman" panose="02020603050405020304" pitchFamily="18" charset="0"/>
+                <a:cs typeface="Times New Roman" panose="02020603050405020304" pitchFamily="18" charset="0"/>
               </a:rPr>
               <a:t>Follow Context [ITI-13]</a:t>
             </a:r>
-            <a:endParaRPr kumimoji="0" lang="en-US" altLang="en-US" sz="1800" b="0" i="0" u="none" strike="noStrike" cap="none" normalizeH="0" baseline="0">
+            <a:endParaRPr kumimoji="0" lang="en-US" altLang="en-US" sz="1800" b="0" i="0" u="none" strike="noStrike" cap="none" normalizeH="0" baseline="0" dirty="0">
               <a:ln>
                 <a:noFill/>
               </a:ln>
@@ -5854,7 +5949,8 @@
                 <a:schemeClr val="tx1"/>
               </a:solidFill>
               <a:effectLst/>
-              <a:latin typeface="Arial" panose="020B0604020202020204" pitchFamily="34" charset="0"/>
+              <a:latin typeface="Times New Roman" panose="02020603050405020304" pitchFamily="18" charset="0"/>
+              <a:cs typeface="Times New Roman" panose="02020603050405020304" pitchFamily="18" charset="0"/>
             </a:endParaRPr>
           </a:p>
         </p:txBody>
@@ -5972,7 +6068,7 @@
         </p:nvSpPr>
         <p:spPr bwMode="auto">
           <a:xfrm>
-            <a:off x="3194050" y="2411413"/>
+            <a:off x="3138295" y="2411413"/>
             <a:ext cx="949325" cy="474662"/>
           </a:xfrm>
           <a:prstGeom prst="rect">
@@ -6027,7 +6123,7 @@
               <a:tabLst/>
             </a:pPr>
             <a:r>
-              <a:rPr kumimoji="0" lang="en-US" altLang="en-US" sz="1000" b="0" i="1" u="none" strike="noStrike" cap="none" normalizeH="0" baseline="0">
+              <a:rPr kumimoji="0" lang="en-US" altLang="en-US" sz="1000" b="0" i="1" u="none" strike="noStrike" cap="none" normalizeH="0" baseline="0" dirty="0">
                 <a:ln>
                   <a:noFill/>
                 </a:ln>
@@ -6035,12 +6131,13 @@
                   <a:schemeClr val="tx1"/>
                 </a:solidFill>
                 <a:effectLst/>
-                <a:latin typeface="Arial" panose="020B0604020202020204" pitchFamily="34" charset="0"/>
+                <a:latin typeface="Times New Roman" panose="02020603050405020304" pitchFamily="18" charset="0"/>
                 <a:ea typeface="Times New Roman" panose="02020603050405020304" pitchFamily="18" charset="0"/>
+                <a:cs typeface="Times New Roman" panose="02020603050405020304" pitchFamily="18" charset="0"/>
               </a:rPr>
               <a:t>Switch User Identity</a:t>
             </a:r>
-            <a:endParaRPr kumimoji="0" lang="en-US" altLang="en-US" sz="1800" b="0" i="0" u="none" strike="noStrike" cap="none" normalizeH="0" baseline="0">
+            <a:endParaRPr kumimoji="0" lang="en-US" altLang="en-US" sz="1800" b="0" i="0" u="none" strike="noStrike" cap="none" normalizeH="0" baseline="0" dirty="0">
               <a:ln>
                 <a:noFill/>
               </a:ln>
@@ -6048,7 +6145,8 @@
                 <a:schemeClr val="tx1"/>
               </a:solidFill>
               <a:effectLst/>
-              <a:latin typeface="Arial" panose="020B0604020202020204" pitchFamily="34" charset="0"/>
+              <a:latin typeface="Times New Roman" panose="02020603050405020304" pitchFamily="18" charset="0"/>
+              <a:cs typeface="Times New Roman" panose="02020603050405020304" pitchFamily="18" charset="0"/>
             </a:endParaRPr>
           </a:p>
         </p:txBody>
@@ -6069,7 +6167,7 @@
         </p:nvSpPr>
         <p:spPr bwMode="auto">
           <a:xfrm>
-            <a:off x="3217863" y="3427413"/>
+            <a:off x="3106353" y="3449715"/>
             <a:ext cx="949325" cy="712787"/>
           </a:xfrm>
           <a:prstGeom prst="rect">
@@ -6124,7 +6222,7 @@
               <a:tabLst/>
             </a:pPr>
             <a:r>
-              <a:rPr kumimoji="0" lang="en-US" altLang="en-US" sz="1000" b="0" i="1" u="none" strike="noStrike" cap="none" normalizeH="0" baseline="0">
+              <a:rPr kumimoji="0" lang="en-US" altLang="en-US" sz="1000" b="0" i="1" u="none" strike="noStrike" cap="none" normalizeH="0" baseline="0" dirty="0">
                 <a:ln>
                   <a:noFill/>
                 </a:ln>
@@ -6132,12 +6230,13 @@
                   <a:schemeClr val="tx1"/>
                 </a:solidFill>
                 <a:effectLst/>
-                <a:latin typeface="Arial" panose="020B0604020202020204" pitchFamily="34" charset="0"/>
+                <a:latin typeface="Times New Roman" panose="02020603050405020304" pitchFamily="18" charset="0"/>
                 <a:ea typeface="Times New Roman" panose="02020603050405020304" pitchFamily="18" charset="0"/>
+                <a:cs typeface="Times New Roman" panose="02020603050405020304" pitchFamily="18" charset="0"/>
               </a:rPr>
               <a:t>Switch User Identity to NULL </a:t>
             </a:r>
-            <a:endParaRPr kumimoji="0" lang="en-US" altLang="en-US" sz="1800" b="0" i="0" u="none" strike="noStrike" cap="none" normalizeH="0" baseline="0">
+            <a:endParaRPr kumimoji="0" lang="en-US" altLang="en-US" sz="1800" b="0" i="0" u="none" strike="noStrike" cap="none" normalizeH="0" baseline="0" dirty="0">
               <a:ln>
                 <a:noFill/>
               </a:ln>
@@ -6145,59 +6244,9 @@
                 <a:schemeClr val="tx1"/>
               </a:solidFill>
               <a:effectLst/>
-              <a:latin typeface="Arial" panose="020B0604020202020204" pitchFamily="34" charset="0"/>
+              <a:latin typeface="Times New Roman" panose="02020603050405020304" pitchFamily="18" charset="0"/>
+              <a:cs typeface="Times New Roman" panose="02020603050405020304" pitchFamily="18" charset="0"/>
             </a:endParaRPr>
-          </a:p>
-        </p:txBody>
-      </p:sp>
-      <p:sp>
-        <p:nvSpPr>
-          <p:cNvPr id="43" name="Line 1">
-            <a:extLst>
-              <a:ext uri="{FF2B5EF4-FFF2-40B4-BE49-F238E27FC236}">
-                <a16:creationId xmlns:a16="http://schemas.microsoft.com/office/drawing/2014/main" id="{A750383E-2EE2-A742-8909-A0DACD162100}"/>
-              </a:ext>
-            </a:extLst>
-          </p:cNvPr>
-          <p:cNvSpPr>
-            <a:spLocks noChangeShapeType="1"/>
-          </p:cNvSpPr>
-          <p:nvPr/>
-        </p:nvSpPr>
-        <p:spPr bwMode="auto">
-          <a:xfrm>
-            <a:off x="1427163" y="3379788"/>
-            <a:ext cx="119062" cy="0"/>
-          </a:xfrm>
-          <a:prstGeom prst="line">
-            <a:avLst/>
-          </a:prstGeom>
-          <a:noFill/>
-          <a:ln w="9525">
-            <a:solidFill>
-              <a:srgbClr val="000000"/>
-            </a:solidFill>
-            <a:round/>
-            <a:headEnd/>
-            <a:tailEnd/>
-          </a:ln>
-          <a:extLst>
-            <a:ext uri="{909E8E84-426E-40DD-AFC4-6F175D3DCCD1}">
-              <a14:hiddenFill xmlns:a14="http://schemas.microsoft.com/office/drawing/2010/main">
-                <a:noFill/>
-              </a14:hiddenFill>
-            </a:ext>
-          </a:extLst>
-        </p:spPr>
-        <p:txBody>
-          <a:bodyPr vert="horz" wrap="square" lIns="91440" tIns="45720" rIns="91440" bIns="45720" numCol="1" anchor="t" anchorCtr="0" compatLnSpc="1">
-            <a:prstTxWarp prst="textNoShape">
-              <a:avLst/>
-            </a:prstTxWarp>
-          </a:bodyPr>
-          <a:lstStyle/>
-          <a:p>
-            <a:endParaRPr lang="en-US"/>
           </a:p>
         </p:txBody>
       </p:sp>
@@ -7035,6 +7084,796 @@
           </a:p>
         </p:txBody>
       </p:sp>
+      <p:grpSp>
+        <p:nvGrpSpPr>
+          <p:cNvPr id="60" name="Group 59">
+            <a:extLst>
+              <a:ext uri="{FF2B5EF4-FFF2-40B4-BE49-F238E27FC236}">
+                <a16:creationId xmlns:a16="http://schemas.microsoft.com/office/drawing/2014/main" id="{A9590405-6CA7-C94B-8EE4-8A1CD63B814F}"/>
+              </a:ext>
+            </a:extLst>
+          </p:cNvPr>
+          <p:cNvGrpSpPr/>
+          <p:nvPr/>
+        </p:nvGrpSpPr>
+        <p:grpSpPr>
+          <a:xfrm flipH="1">
+            <a:off x="3951012" y="2442005"/>
+            <a:ext cx="324127" cy="242457"/>
+            <a:chOff x="3555709" y="3740033"/>
+            <a:chExt cx="324127" cy="242457"/>
+          </a:xfrm>
+        </p:grpSpPr>
+        <p:sp>
+          <p:nvSpPr>
+            <p:cNvPr id="61" name="Line 23">
+              <a:extLst>
+                <a:ext uri="{FF2B5EF4-FFF2-40B4-BE49-F238E27FC236}">
+                  <a16:creationId xmlns:a16="http://schemas.microsoft.com/office/drawing/2014/main" id="{9DE8BFF7-5146-EA47-B33B-85418592C3B1}"/>
+                </a:ext>
+              </a:extLst>
+            </p:cNvPr>
+            <p:cNvSpPr>
+              <a:spLocks noChangeShapeType="1"/>
+            </p:cNvSpPr>
+            <p:nvPr/>
+          </p:nvSpPr>
+          <p:spPr bwMode="auto">
+            <a:xfrm flipH="1" flipV="1">
+              <a:off x="3573026" y="3982490"/>
+              <a:ext cx="296418" cy="0"/>
+            </a:xfrm>
+            <a:prstGeom prst="line">
+              <a:avLst/>
+            </a:prstGeom>
+            <a:noFill/>
+            <a:ln w="9525">
+              <a:solidFill>
+                <a:srgbClr val="000000"/>
+              </a:solidFill>
+              <a:round/>
+              <a:headEnd/>
+              <a:tailEnd type="triangle" w="med" len="med"/>
+            </a:ln>
+            <a:extLst>
+              <a:ext uri="{909E8E84-426E-40DD-AFC4-6F175D3DCCD1}">
+                <a14:hiddenFill xmlns:a14="http://schemas.microsoft.com/office/drawing/2010/main">
+                  <a:noFill/>
+                </a14:hiddenFill>
+              </a:ext>
+            </a:extLst>
+          </p:spPr>
+          <p:txBody>
+            <a:bodyPr vert="horz" wrap="square" lIns="91440" tIns="45720" rIns="91440" bIns="45720" numCol="1" anchor="t" anchorCtr="0" compatLnSpc="1">
+              <a:prstTxWarp prst="textNoShape">
+                <a:avLst/>
+              </a:prstTxWarp>
+            </a:bodyPr>
+            <a:lstStyle/>
+            <a:p>
+              <a:endParaRPr lang="en-US"/>
+            </a:p>
+          </p:txBody>
+        </p:sp>
+        <p:cxnSp>
+          <p:nvCxnSpPr>
+            <p:cNvPr id="62" name="Straight Connector 61">
+              <a:extLst>
+                <a:ext uri="{FF2B5EF4-FFF2-40B4-BE49-F238E27FC236}">
+                  <a16:creationId xmlns:a16="http://schemas.microsoft.com/office/drawing/2014/main" id="{DF8BA9AB-9A37-4849-9A33-807827FB64CB}"/>
+                </a:ext>
+              </a:extLst>
+            </p:cNvPr>
+            <p:cNvCxnSpPr>
+              <a:cxnSpLocks/>
+            </p:cNvCxnSpPr>
+            <p:nvPr/>
+          </p:nvCxnSpPr>
+          <p:spPr>
+            <a:xfrm flipV="1">
+              <a:off x="3879835" y="3740033"/>
+              <a:ext cx="0" cy="242457"/>
+            </a:xfrm>
+            <a:prstGeom prst="line">
+              <a:avLst/>
+            </a:prstGeom>
+            <a:ln w="12700">
+              <a:solidFill>
+                <a:schemeClr val="tx1"/>
+              </a:solidFill>
+            </a:ln>
+          </p:spPr>
+          <p:style>
+            <a:lnRef idx="1">
+              <a:schemeClr val="accent1"/>
+            </a:lnRef>
+            <a:fillRef idx="0">
+              <a:schemeClr val="accent1"/>
+            </a:fillRef>
+            <a:effectRef idx="0">
+              <a:schemeClr val="accent1"/>
+            </a:effectRef>
+            <a:fontRef idx="minor">
+              <a:schemeClr val="tx1"/>
+            </a:fontRef>
+          </p:style>
+        </p:cxnSp>
+        <p:cxnSp>
+          <p:nvCxnSpPr>
+            <p:cNvPr id="63" name="Straight Connector 62">
+              <a:extLst>
+                <a:ext uri="{FF2B5EF4-FFF2-40B4-BE49-F238E27FC236}">
+                  <a16:creationId xmlns:a16="http://schemas.microsoft.com/office/drawing/2014/main" id="{3D4539DE-F50A-6C49-8273-E6695FA49644}"/>
+                </a:ext>
+              </a:extLst>
+            </p:cNvPr>
+            <p:cNvCxnSpPr>
+              <a:cxnSpLocks/>
+            </p:cNvCxnSpPr>
+            <p:nvPr/>
+          </p:nvCxnSpPr>
+          <p:spPr>
+            <a:xfrm flipH="1" flipV="1">
+              <a:off x="3555709" y="3740034"/>
+              <a:ext cx="324127" cy="0"/>
+            </a:xfrm>
+            <a:prstGeom prst="line">
+              <a:avLst/>
+            </a:prstGeom>
+            <a:ln w="12700">
+              <a:solidFill>
+                <a:schemeClr val="tx1"/>
+              </a:solidFill>
+            </a:ln>
+          </p:spPr>
+          <p:style>
+            <a:lnRef idx="1">
+              <a:schemeClr val="accent1"/>
+            </a:lnRef>
+            <a:fillRef idx="0">
+              <a:schemeClr val="accent1"/>
+            </a:fillRef>
+            <a:effectRef idx="0">
+              <a:schemeClr val="accent1"/>
+            </a:effectRef>
+            <a:fontRef idx="minor">
+              <a:schemeClr val="tx1"/>
+            </a:fontRef>
+          </p:style>
+        </p:cxnSp>
+      </p:grpSp>
+      <p:grpSp>
+        <p:nvGrpSpPr>
+          <p:cNvPr id="64" name="Group 63">
+            <a:extLst>
+              <a:ext uri="{FF2B5EF4-FFF2-40B4-BE49-F238E27FC236}">
+                <a16:creationId xmlns:a16="http://schemas.microsoft.com/office/drawing/2014/main" id="{61B633FB-5D31-F245-B167-428BB45DAF48}"/>
+              </a:ext>
+            </a:extLst>
+          </p:cNvPr>
+          <p:cNvGrpSpPr/>
+          <p:nvPr/>
+        </p:nvGrpSpPr>
+        <p:grpSpPr>
+          <a:xfrm flipH="1">
+            <a:off x="3941309" y="3572881"/>
+            <a:ext cx="324127" cy="242457"/>
+            <a:chOff x="3555709" y="3740033"/>
+            <a:chExt cx="324127" cy="242457"/>
+          </a:xfrm>
+        </p:grpSpPr>
+        <p:sp>
+          <p:nvSpPr>
+            <p:cNvPr id="65" name="Line 23">
+              <a:extLst>
+                <a:ext uri="{FF2B5EF4-FFF2-40B4-BE49-F238E27FC236}">
+                  <a16:creationId xmlns:a16="http://schemas.microsoft.com/office/drawing/2014/main" id="{28E9218B-C51A-3946-AE14-B63B5C63C070}"/>
+                </a:ext>
+              </a:extLst>
+            </p:cNvPr>
+            <p:cNvSpPr>
+              <a:spLocks noChangeShapeType="1"/>
+            </p:cNvSpPr>
+            <p:nvPr/>
+          </p:nvSpPr>
+          <p:spPr bwMode="auto">
+            <a:xfrm flipH="1" flipV="1">
+              <a:off x="3573026" y="3982490"/>
+              <a:ext cx="296418" cy="0"/>
+            </a:xfrm>
+            <a:prstGeom prst="line">
+              <a:avLst/>
+            </a:prstGeom>
+            <a:noFill/>
+            <a:ln w="9525">
+              <a:solidFill>
+                <a:srgbClr val="000000"/>
+              </a:solidFill>
+              <a:round/>
+              <a:headEnd/>
+              <a:tailEnd type="triangle" w="med" len="med"/>
+            </a:ln>
+            <a:extLst>
+              <a:ext uri="{909E8E84-426E-40DD-AFC4-6F175D3DCCD1}">
+                <a14:hiddenFill xmlns:a14="http://schemas.microsoft.com/office/drawing/2010/main">
+                  <a:noFill/>
+                </a14:hiddenFill>
+              </a:ext>
+            </a:extLst>
+          </p:spPr>
+          <p:txBody>
+            <a:bodyPr vert="horz" wrap="square" lIns="91440" tIns="45720" rIns="91440" bIns="45720" numCol="1" anchor="t" anchorCtr="0" compatLnSpc="1">
+              <a:prstTxWarp prst="textNoShape">
+                <a:avLst/>
+              </a:prstTxWarp>
+            </a:bodyPr>
+            <a:lstStyle/>
+            <a:p>
+              <a:endParaRPr lang="en-US"/>
+            </a:p>
+          </p:txBody>
+        </p:sp>
+        <p:cxnSp>
+          <p:nvCxnSpPr>
+            <p:cNvPr id="66" name="Straight Connector 65">
+              <a:extLst>
+                <a:ext uri="{FF2B5EF4-FFF2-40B4-BE49-F238E27FC236}">
+                  <a16:creationId xmlns:a16="http://schemas.microsoft.com/office/drawing/2014/main" id="{A1549BC1-B4E8-7243-9030-1114B7116DA2}"/>
+                </a:ext>
+              </a:extLst>
+            </p:cNvPr>
+            <p:cNvCxnSpPr>
+              <a:cxnSpLocks/>
+            </p:cNvCxnSpPr>
+            <p:nvPr/>
+          </p:nvCxnSpPr>
+          <p:spPr>
+            <a:xfrm flipV="1">
+              <a:off x="3879835" y="3740033"/>
+              <a:ext cx="0" cy="242457"/>
+            </a:xfrm>
+            <a:prstGeom prst="line">
+              <a:avLst/>
+            </a:prstGeom>
+            <a:ln w="12700">
+              <a:solidFill>
+                <a:schemeClr val="tx1"/>
+              </a:solidFill>
+            </a:ln>
+          </p:spPr>
+          <p:style>
+            <a:lnRef idx="1">
+              <a:schemeClr val="accent1"/>
+            </a:lnRef>
+            <a:fillRef idx="0">
+              <a:schemeClr val="accent1"/>
+            </a:fillRef>
+            <a:effectRef idx="0">
+              <a:schemeClr val="accent1"/>
+            </a:effectRef>
+            <a:fontRef idx="minor">
+              <a:schemeClr val="tx1"/>
+            </a:fontRef>
+          </p:style>
+        </p:cxnSp>
+        <p:cxnSp>
+          <p:nvCxnSpPr>
+            <p:cNvPr id="67" name="Straight Connector 66">
+              <a:extLst>
+                <a:ext uri="{FF2B5EF4-FFF2-40B4-BE49-F238E27FC236}">
+                  <a16:creationId xmlns:a16="http://schemas.microsoft.com/office/drawing/2014/main" id="{55090D77-FF26-7E4E-8731-411BDE5C318A}"/>
+                </a:ext>
+              </a:extLst>
+            </p:cNvPr>
+            <p:cNvCxnSpPr>
+              <a:cxnSpLocks/>
+            </p:cNvCxnSpPr>
+            <p:nvPr/>
+          </p:nvCxnSpPr>
+          <p:spPr>
+            <a:xfrm flipH="1" flipV="1">
+              <a:off x="3555709" y="3740034"/>
+              <a:ext cx="324127" cy="0"/>
+            </a:xfrm>
+            <a:prstGeom prst="line">
+              <a:avLst/>
+            </a:prstGeom>
+            <a:ln w="12700">
+              <a:solidFill>
+                <a:schemeClr val="tx1"/>
+              </a:solidFill>
+            </a:ln>
+          </p:spPr>
+          <p:style>
+            <a:lnRef idx="1">
+              <a:schemeClr val="accent1"/>
+            </a:lnRef>
+            <a:fillRef idx="0">
+              <a:schemeClr val="accent1"/>
+            </a:fillRef>
+            <a:effectRef idx="0">
+              <a:schemeClr val="accent1"/>
+            </a:effectRef>
+            <a:fontRef idx="minor">
+              <a:schemeClr val="tx1"/>
+            </a:fontRef>
+          </p:style>
+        </p:cxnSp>
+      </p:grpSp>
+      <p:grpSp>
+        <p:nvGrpSpPr>
+          <p:cNvPr id="68" name="Group 67">
+            <a:extLst>
+              <a:ext uri="{FF2B5EF4-FFF2-40B4-BE49-F238E27FC236}">
+                <a16:creationId xmlns:a16="http://schemas.microsoft.com/office/drawing/2014/main" id="{08F79DC6-5B21-4C41-A516-745BC7DC4AC3}"/>
+              </a:ext>
+            </a:extLst>
+          </p:cNvPr>
+          <p:cNvGrpSpPr/>
+          <p:nvPr/>
+        </p:nvGrpSpPr>
+        <p:grpSpPr>
+          <a:xfrm flipH="1">
+            <a:off x="1299747" y="1515915"/>
+            <a:ext cx="324127" cy="242457"/>
+            <a:chOff x="3555709" y="3740033"/>
+            <a:chExt cx="324127" cy="242457"/>
+          </a:xfrm>
+        </p:grpSpPr>
+        <p:sp>
+          <p:nvSpPr>
+            <p:cNvPr id="69" name="Line 23">
+              <a:extLst>
+                <a:ext uri="{FF2B5EF4-FFF2-40B4-BE49-F238E27FC236}">
+                  <a16:creationId xmlns:a16="http://schemas.microsoft.com/office/drawing/2014/main" id="{23820C2C-2D34-7443-8B3C-A1E0BC94F33B}"/>
+                </a:ext>
+              </a:extLst>
+            </p:cNvPr>
+            <p:cNvSpPr>
+              <a:spLocks noChangeShapeType="1"/>
+            </p:cNvSpPr>
+            <p:nvPr/>
+          </p:nvSpPr>
+          <p:spPr bwMode="auto">
+            <a:xfrm flipH="1" flipV="1">
+              <a:off x="3573026" y="3982490"/>
+              <a:ext cx="296418" cy="0"/>
+            </a:xfrm>
+            <a:prstGeom prst="line">
+              <a:avLst/>
+            </a:prstGeom>
+            <a:noFill/>
+            <a:ln w="9525">
+              <a:solidFill>
+                <a:srgbClr val="000000"/>
+              </a:solidFill>
+              <a:round/>
+              <a:headEnd/>
+              <a:tailEnd type="triangle" w="med" len="med"/>
+            </a:ln>
+            <a:extLst>
+              <a:ext uri="{909E8E84-426E-40DD-AFC4-6F175D3DCCD1}">
+                <a14:hiddenFill xmlns:a14="http://schemas.microsoft.com/office/drawing/2010/main">
+                  <a:noFill/>
+                </a14:hiddenFill>
+              </a:ext>
+            </a:extLst>
+          </p:spPr>
+          <p:txBody>
+            <a:bodyPr vert="horz" wrap="square" lIns="91440" tIns="45720" rIns="91440" bIns="45720" numCol="1" anchor="t" anchorCtr="0" compatLnSpc="1">
+              <a:prstTxWarp prst="textNoShape">
+                <a:avLst/>
+              </a:prstTxWarp>
+            </a:bodyPr>
+            <a:lstStyle/>
+            <a:p>
+              <a:endParaRPr lang="en-US"/>
+            </a:p>
+          </p:txBody>
+        </p:sp>
+        <p:cxnSp>
+          <p:nvCxnSpPr>
+            <p:cNvPr id="70" name="Straight Connector 69">
+              <a:extLst>
+                <a:ext uri="{FF2B5EF4-FFF2-40B4-BE49-F238E27FC236}">
+                  <a16:creationId xmlns:a16="http://schemas.microsoft.com/office/drawing/2014/main" id="{6D721978-C5BC-AC42-AA57-66CC4BA37542}"/>
+                </a:ext>
+              </a:extLst>
+            </p:cNvPr>
+            <p:cNvCxnSpPr>
+              <a:cxnSpLocks/>
+            </p:cNvCxnSpPr>
+            <p:nvPr/>
+          </p:nvCxnSpPr>
+          <p:spPr>
+            <a:xfrm flipV="1">
+              <a:off x="3879835" y="3740033"/>
+              <a:ext cx="0" cy="242457"/>
+            </a:xfrm>
+            <a:prstGeom prst="line">
+              <a:avLst/>
+            </a:prstGeom>
+            <a:ln w="12700">
+              <a:solidFill>
+                <a:schemeClr val="tx1"/>
+              </a:solidFill>
+            </a:ln>
+          </p:spPr>
+          <p:style>
+            <a:lnRef idx="1">
+              <a:schemeClr val="accent1"/>
+            </a:lnRef>
+            <a:fillRef idx="0">
+              <a:schemeClr val="accent1"/>
+            </a:fillRef>
+            <a:effectRef idx="0">
+              <a:schemeClr val="accent1"/>
+            </a:effectRef>
+            <a:fontRef idx="minor">
+              <a:schemeClr val="tx1"/>
+            </a:fontRef>
+          </p:style>
+        </p:cxnSp>
+        <p:cxnSp>
+          <p:nvCxnSpPr>
+            <p:cNvPr id="71" name="Straight Connector 70">
+              <a:extLst>
+                <a:ext uri="{FF2B5EF4-FFF2-40B4-BE49-F238E27FC236}">
+                  <a16:creationId xmlns:a16="http://schemas.microsoft.com/office/drawing/2014/main" id="{325810D7-8241-DF49-97AB-8CE26D8023D7}"/>
+                </a:ext>
+              </a:extLst>
+            </p:cNvPr>
+            <p:cNvCxnSpPr>
+              <a:cxnSpLocks/>
+            </p:cNvCxnSpPr>
+            <p:nvPr/>
+          </p:nvCxnSpPr>
+          <p:spPr>
+            <a:xfrm flipH="1" flipV="1">
+              <a:off x="3555709" y="3740034"/>
+              <a:ext cx="324127" cy="0"/>
+            </a:xfrm>
+            <a:prstGeom prst="line">
+              <a:avLst/>
+            </a:prstGeom>
+            <a:ln w="12700">
+              <a:solidFill>
+                <a:schemeClr val="tx1"/>
+              </a:solidFill>
+            </a:ln>
+          </p:spPr>
+          <p:style>
+            <a:lnRef idx="1">
+              <a:schemeClr val="accent1"/>
+            </a:lnRef>
+            <a:fillRef idx="0">
+              <a:schemeClr val="accent1"/>
+            </a:fillRef>
+            <a:effectRef idx="0">
+              <a:schemeClr val="accent1"/>
+            </a:effectRef>
+            <a:fontRef idx="minor">
+              <a:schemeClr val="tx1"/>
+            </a:fontRef>
+          </p:style>
+        </p:cxnSp>
+      </p:grpSp>
+      <p:grpSp>
+        <p:nvGrpSpPr>
+          <p:cNvPr id="72" name="Group 71">
+            <a:extLst>
+              <a:ext uri="{FF2B5EF4-FFF2-40B4-BE49-F238E27FC236}">
+                <a16:creationId xmlns:a16="http://schemas.microsoft.com/office/drawing/2014/main" id="{D73CF688-CFE6-3E46-9B0E-9DF35C845F5C}"/>
+              </a:ext>
+            </a:extLst>
+          </p:cNvPr>
+          <p:cNvGrpSpPr/>
+          <p:nvPr/>
+        </p:nvGrpSpPr>
+        <p:grpSpPr>
+          <a:xfrm flipH="1">
+            <a:off x="1287787" y="3410959"/>
+            <a:ext cx="324127" cy="242457"/>
+            <a:chOff x="3555709" y="3740033"/>
+            <a:chExt cx="324127" cy="242457"/>
+          </a:xfrm>
+        </p:grpSpPr>
+        <p:sp>
+          <p:nvSpPr>
+            <p:cNvPr id="73" name="Line 23">
+              <a:extLst>
+                <a:ext uri="{FF2B5EF4-FFF2-40B4-BE49-F238E27FC236}">
+                  <a16:creationId xmlns:a16="http://schemas.microsoft.com/office/drawing/2014/main" id="{44A2A160-C332-3343-A966-70B8E036DCEA}"/>
+                </a:ext>
+              </a:extLst>
+            </p:cNvPr>
+            <p:cNvSpPr>
+              <a:spLocks noChangeShapeType="1"/>
+            </p:cNvSpPr>
+            <p:nvPr/>
+          </p:nvSpPr>
+          <p:spPr bwMode="auto">
+            <a:xfrm flipH="1" flipV="1">
+              <a:off x="3573026" y="3982490"/>
+              <a:ext cx="296418" cy="0"/>
+            </a:xfrm>
+            <a:prstGeom prst="line">
+              <a:avLst/>
+            </a:prstGeom>
+            <a:noFill/>
+            <a:ln w="9525">
+              <a:solidFill>
+                <a:srgbClr val="000000"/>
+              </a:solidFill>
+              <a:round/>
+              <a:headEnd/>
+              <a:tailEnd type="triangle" w="med" len="med"/>
+            </a:ln>
+            <a:extLst>
+              <a:ext uri="{909E8E84-426E-40DD-AFC4-6F175D3DCCD1}">
+                <a14:hiddenFill xmlns:a14="http://schemas.microsoft.com/office/drawing/2010/main">
+                  <a:noFill/>
+                </a14:hiddenFill>
+              </a:ext>
+            </a:extLst>
+          </p:spPr>
+          <p:txBody>
+            <a:bodyPr vert="horz" wrap="square" lIns="91440" tIns="45720" rIns="91440" bIns="45720" numCol="1" anchor="t" anchorCtr="0" compatLnSpc="1">
+              <a:prstTxWarp prst="textNoShape">
+                <a:avLst/>
+              </a:prstTxWarp>
+            </a:bodyPr>
+            <a:lstStyle/>
+            <a:p>
+              <a:endParaRPr lang="en-US"/>
+            </a:p>
+          </p:txBody>
+        </p:sp>
+        <p:cxnSp>
+          <p:nvCxnSpPr>
+            <p:cNvPr id="74" name="Straight Connector 73">
+              <a:extLst>
+                <a:ext uri="{FF2B5EF4-FFF2-40B4-BE49-F238E27FC236}">
+                  <a16:creationId xmlns:a16="http://schemas.microsoft.com/office/drawing/2014/main" id="{78D87076-7A36-B443-98E9-82305A34A617}"/>
+                </a:ext>
+              </a:extLst>
+            </p:cNvPr>
+            <p:cNvCxnSpPr>
+              <a:cxnSpLocks/>
+            </p:cNvCxnSpPr>
+            <p:nvPr/>
+          </p:nvCxnSpPr>
+          <p:spPr>
+            <a:xfrm flipV="1">
+              <a:off x="3879835" y="3740033"/>
+              <a:ext cx="0" cy="242457"/>
+            </a:xfrm>
+            <a:prstGeom prst="line">
+              <a:avLst/>
+            </a:prstGeom>
+            <a:ln w="12700">
+              <a:solidFill>
+                <a:schemeClr val="tx1"/>
+              </a:solidFill>
+            </a:ln>
+          </p:spPr>
+          <p:style>
+            <a:lnRef idx="1">
+              <a:schemeClr val="accent1"/>
+            </a:lnRef>
+            <a:fillRef idx="0">
+              <a:schemeClr val="accent1"/>
+            </a:fillRef>
+            <a:effectRef idx="0">
+              <a:schemeClr val="accent1"/>
+            </a:effectRef>
+            <a:fontRef idx="minor">
+              <a:schemeClr val="tx1"/>
+            </a:fontRef>
+          </p:style>
+        </p:cxnSp>
+        <p:cxnSp>
+          <p:nvCxnSpPr>
+            <p:cNvPr id="75" name="Straight Connector 74">
+              <a:extLst>
+                <a:ext uri="{FF2B5EF4-FFF2-40B4-BE49-F238E27FC236}">
+                  <a16:creationId xmlns:a16="http://schemas.microsoft.com/office/drawing/2014/main" id="{1D35AB48-A5E1-904C-8278-0BD111516F35}"/>
+                </a:ext>
+              </a:extLst>
+            </p:cNvPr>
+            <p:cNvCxnSpPr>
+              <a:cxnSpLocks/>
+            </p:cNvCxnSpPr>
+            <p:nvPr/>
+          </p:nvCxnSpPr>
+          <p:spPr>
+            <a:xfrm flipH="1" flipV="1">
+              <a:off x="3555709" y="3740034"/>
+              <a:ext cx="324127" cy="0"/>
+            </a:xfrm>
+            <a:prstGeom prst="line">
+              <a:avLst/>
+            </a:prstGeom>
+            <a:ln w="12700">
+              <a:solidFill>
+                <a:schemeClr val="tx1"/>
+              </a:solidFill>
+            </a:ln>
+          </p:spPr>
+          <p:style>
+            <a:lnRef idx="1">
+              <a:schemeClr val="accent1"/>
+            </a:lnRef>
+            <a:fillRef idx="0">
+              <a:schemeClr val="accent1"/>
+            </a:fillRef>
+            <a:effectRef idx="0">
+              <a:schemeClr val="accent1"/>
+            </a:effectRef>
+            <a:fontRef idx="minor">
+              <a:schemeClr val="tx1"/>
+            </a:fontRef>
+          </p:style>
+        </p:cxnSp>
+      </p:grpSp>
+      <p:grpSp>
+        <p:nvGrpSpPr>
+          <p:cNvPr id="76" name="Group 75">
+            <a:extLst>
+              <a:ext uri="{FF2B5EF4-FFF2-40B4-BE49-F238E27FC236}">
+                <a16:creationId xmlns:a16="http://schemas.microsoft.com/office/drawing/2014/main" id="{7D586F85-FEF2-D342-B15C-EA8326BAD664}"/>
+              </a:ext>
+            </a:extLst>
+          </p:cNvPr>
+          <p:cNvGrpSpPr/>
+          <p:nvPr/>
+        </p:nvGrpSpPr>
+        <p:grpSpPr>
+          <a:xfrm>
+            <a:off x="3091374" y="1456444"/>
+            <a:ext cx="324127" cy="242457"/>
+            <a:chOff x="3555709" y="3740033"/>
+            <a:chExt cx="324127" cy="242457"/>
+          </a:xfrm>
+        </p:grpSpPr>
+        <p:sp>
+          <p:nvSpPr>
+            <p:cNvPr id="77" name="Line 23">
+              <a:extLst>
+                <a:ext uri="{FF2B5EF4-FFF2-40B4-BE49-F238E27FC236}">
+                  <a16:creationId xmlns:a16="http://schemas.microsoft.com/office/drawing/2014/main" id="{E74D445D-FB9A-AE48-A072-1F5761DFCE5A}"/>
+                </a:ext>
+              </a:extLst>
+            </p:cNvPr>
+            <p:cNvSpPr>
+              <a:spLocks noChangeShapeType="1"/>
+            </p:cNvSpPr>
+            <p:nvPr/>
+          </p:nvSpPr>
+          <p:spPr bwMode="auto">
+            <a:xfrm flipH="1" flipV="1">
+              <a:off x="3573026" y="3982490"/>
+              <a:ext cx="296418" cy="0"/>
+            </a:xfrm>
+            <a:prstGeom prst="line">
+              <a:avLst/>
+            </a:prstGeom>
+            <a:noFill/>
+            <a:ln w="9525">
+              <a:solidFill>
+                <a:srgbClr val="000000"/>
+              </a:solidFill>
+              <a:round/>
+              <a:headEnd/>
+              <a:tailEnd type="triangle" w="med" len="med"/>
+            </a:ln>
+            <a:extLst>
+              <a:ext uri="{909E8E84-426E-40DD-AFC4-6F175D3DCCD1}">
+                <a14:hiddenFill xmlns:a14="http://schemas.microsoft.com/office/drawing/2010/main">
+                  <a:noFill/>
+                </a14:hiddenFill>
+              </a:ext>
+            </a:extLst>
+          </p:spPr>
+          <p:txBody>
+            <a:bodyPr vert="horz" wrap="square" lIns="91440" tIns="45720" rIns="91440" bIns="45720" numCol="1" anchor="t" anchorCtr="0" compatLnSpc="1">
+              <a:prstTxWarp prst="textNoShape">
+                <a:avLst/>
+              </a:prstTxWarp>
+            </a:bodyPr>
+            <a:lstStyle/>
+            <a:p>
+              <a:endParaRPr lang="en-US"/>
+            </a:p>
+          </p:txBody>
+        </p:sp>
+        <p:cxnSp>
+          <p:nvCxnSpPr>
+            <p:cNvPr id="78" name="Straight Connector 77">
+              <a:extLst>
+                <a:ext uri="{FF2B5EF4-FFF2-40B4-BE49-F238E27FC236}">
+                  <a16:creationId xmlns:a16="http://schemas.microsoft.com/office/drawing/2014/main" id="{98633A00-376E-4344-BB09-079EECAE81A3}"/>
+                </a:ext>
+              </a:extLst>
+            </p:cNvPr>
+            <p:cNvCxnSpPr>
+              <a:cxnSpLocks/>
+            </p:cNvCxnSpPr>
+            <p:nvPr/>
+          </p:nvCxnSpPr>
+          <p:spPr>
+            <a:xfrm flipV="1">
+              <a:off x="3879835" y="3740033"/>
+              <a:ext cx="0" cy="242457"/>
+            </a:xfrm>
+            <a:prstGeom prst="line">
+              <a:avLst/>
+            </a:prstGeom>
+            <a:ln w="12700">
+              <a:solidFill>
+                <a:schemeClr val="tx1"/>
+              </a:solidFill>
+            </a:ln>
+          </p:spPr>
+          <p:style>
+            <a:lnRef idx="1">
+              <a:schemeClr val="accent1"/>
+            </a:lnRef>
+            <a:fillRef idx="0">
+              <a:schemeClr val="accent1"/>
+            </a:fillRef>
+            <a:effectRef idx="0">
+              <a:schemeClr val="accent1"/>
+            </a:effectRef>
+            <a:fontRef idx="minor">
+              <a:schemeClr val="tx1"/>
+            </a:fontRef>
+          </p:style>
+        </p:cxnSp>
+        <p:cxnSp>
+          <p:nvCxnSpPr>
+            <p:cNvPr id="79" name="Straight Connector 78">
+              <a:extLst>
+                <a:ext uri="{FF2B5EF4-FFF2-40B4-BE49-F238E27FC236}">
+                  <a16:creationId xmlns:a16="http://schemas.microsoft.com/office/drawing/2014/main" id="{CE478FBA-27D5-184E-92F9-417300576745}"/>
+                </a:ext>
+              </a:extLst>
+            </p:cNvPr>
+            <p:cNvCxnSpPr>
+              <a:cxnSpLocks/>
+            </p:cNvCxnSpPr>
+            <p:nvPr/>
+          </p:nvCxnSpPr>
+          <p:spPr>
+            <a:xfrm flipH="1" flipV="1">
+              <a:off x="3555709" y="3740034"/>
+              <a:ext cx="324127" cy="0"/>
+            </a:xfrm>
+            <a:prstGeom prst="line">
+              <a:avLst/>
+            </a:prstGeom>
+            <a:ln w="12700">
+              <a:solidFill>
+                <a:schemeClr val="tx1"/>
+              </a:solidFill>
+            </a:ln>
+          </p:spPr>
+          <p:style>
+            <a:lnRef idx="1">
+              <a:schemeClr val="accent1"/>
+            </a:lnRef>
+            <a:fillRef idx="0">
+              <a:schemeClr val="accent1"/>
+            </a:fillRef>
+            <a:effectRef idx="0">
+              <a:schemeClr val="accent1"/>
+            </a:effectRef>
+            <a:fontRef idx="minor">
+              <a:schemeClr val="tx1"/>
+            </a:fontRef>
+          </p:style>
+        </p:cxnSp>
+      </p:grpSp>
     </p:spTree>
     <p:extLst>
       <p:ext uri="{BB962C8B-B14F-4D97-AF65-F5344CB8AC3E}">
